--- a/Netlify Forms.pptx
+++ b/Netlify Forms.pptx
@@ -108,6 +108,11 @@
       </a:defRPr>
     </a:lvl9pPr>
   </p:defaultTextStyle>
+  <p:extLst>
+    <p:ext uri="{EFAFB233-063F-42B5-8137-9DF3F51BA10A}">
+      <p15:sldGuideLst xmlns:p15="http://schemas.microsoft.com/office/powerpoint/2012/main"/>
+    </p:ext>
+  </p:extLst>
 </p:presentation>
 </file>
 
@@ -580,7 +585,7 @@
           <a:p>
             <a:fld id="{EA0C0817-A112-4847-8014-A94B7D2A4EA3}" type="datetime1">
               <a:rPr lang="en-US" smtClean="0"/>
-              <a:t>2/7/23</a:t>
+              <a:t>2/9/23</a:t>
             </a:fld>
             <a:endParaRPr lang="en-US" dirty="0"/>
           </a:p>
@@ -782,7 +787,7 @@
           <a:p>
             <a:fld id="{134F40B7-36AB-4376-BE14-EF7004D79BB9}" type="datetime1">
               <a:rPr lang="en-US" smtClean="0"/>
-              <a:t>2/7/23</a:t>
+              <a:t>2/9/23</a:t>
             </a:fld>
             <a:endParaRPr lang="en-US"/>
           </a:p>
@@ -962,7 +967,7 @@
           <a:p>
             <a:fld id="{FF87CAB8-DCAE-46A5-AADA-B3FAD11A54E0}" type="datetime1">
               <a:rPr lang="en-US" smtClean="0"/>
-              <a:t>2/7/23</a:t>
+              <a:t>2/9/23</a:t>
             </a:fld>
             <a:endParaRPr lang="en-US"/>
           </a:p>
@@ -1132,7 +1137,7 @@
           <a:p>
             <a:fld id="{7332B432-ACDA-4023-A761-2BAB76577B62}" type="datetime1">
               <a:rPr lang="en-US" smtClean="0"/>
-              <a:t>2/7/23</a:t>
+              <a:t>2/9/23</a:t>
             </a:fld>
             <a:endParaRPr lang="en-US"/>
           </a:p>
@@ -1731,7 +1736,7 @@
           <a:p>
             <a:fld id="{D9C646AA-F36E-4540-911D-FFFC0A0EF24A}" type="datetime1">
               <a:rPr lang="en-US" smtClean="0"/>
-              <a:t>2/7/23</a:t>
+              <a:t>2/9/23</a:t>
             </a:fld>
             <a:endParaRPr lang="en-US" dirty="0"/>
           </a:p>
@@ -2051,7 +2056,7 @@
           <a:p>
             <a:fld id="{69186D26-FA5F-4637-B602-B7C2DC34CFD4}" type="datetime1">
               <a:rPr lang="en-US" smtClean="0"/>
-              <a:t>2/7/23</a:t>
+              <a:t>2/9/23</a:t>
             </a:fld>
             <a:endParaRPr lang="en-US"/>
           </a:p>
@@ -2486,7 +2491,7 @@
           <a:p>
             <a:fld id="{8A7F15D8-96D1-4781-BC50-CA8A088B2FE4}" type="datetime1">
               <a:rPr lang="en-US" smtClean="0"/>
-              <a:t>2/7/23</a:t>
+              <a:t>2/9/23</a:t>
             </a:fld>
             <a:endParaRPr lang="en-US"/>
           </a:p>
@@ -2604,7 +2609,7 @@
           <a:p>
             <a:fld id="{F9A96C99-B8F8-4528-BD05-0E16E943DC09}" type="datetime1">
               <a:rPr lang="en-US" smtClean="0"/>
-              <a:t>2/7/23</a:t>
+              <a:t>2/9/23</a:t>
             </a:fld>
             <a:endParaRPr lang="en-US"/>
           </a:p>
@@ -2699,7 +2704,7 @@
           <a:p>
             <a:fld id="{03636942-C211-4B28-8DBD-C953E00AF71B}" type="datetime1">
               <a:rPr lang="en-US" smtClean="0"/>
-              <a:t>2/7/23</a:t>
+              <a:t>2/9/23</a:t>
             </a:fld>
             <a:endParaRPr lang="en-US"/>
           </a:p>
@@ -3116,7 +3121,7 @@
           <a:p>
             <a:fld id="{7E8D12A6-918A-48BD-8CB9-CA713993B0EA}" type="datetime1">
               <a:rPr lang="en-US" smtClean="0"/>
-              <a:t>2/7/23</a:t>
+              <a:t>2/9/23</a:t>
             </a:fld>
             <a:endParaRPr lang="en-US"/>
           </a:p>
@@ -3378,7 +3383,7 @@
             <a:fld id="{E778CE86-875F-4587-BCF6-FA054AFC0D53}" type="datetime1">
               <a:rPr lang="en-US" smtClean="0"/>
               <a:pPr/>
-              <a:t>2/7/23</a:t>
+              <a:t>2/9/23</a:t>
             </a:fld>
             <a:endParaRPr lang="en-US" dirty="0"/>
           </a:p>
@@ -3894,7 +3899,7 @@
           <a:p>
             <a:fld id="{F6FA2B21-3FCD-4721-B95C-427943F61125}" type="datetime1">
               <a:rPr lang="en-US" smtClean="0"/>
-              <a:t>2/7/23</a:t>
+              <a:t>2/9/23</a:t>
             </a:fld>
             <a:endParaRPr lang="en-US"/>
           </a:p>
@@ -4757,13 +4762,8 @@
             <a:pPr lvl="1"/>
             <a:r>
               <a:rPr lang="en-US" sz="1800" dirty="0"/>
-              <a:t> Playing Games (Dune Imperium, Catan, Splendor</a:t>
-            </a:r>
-            <a:r>
-              <a:rPr lang="en-US" sz="1800"/>
-              <a:t>, etc.)</a:t>
-            </a:r>
-            <a:endParaRPr lang="en-US" sz="1800" dirty="0"/>
+              <a:t> Playing Games (Dune Imperium, Catan, Splendor, etc.)</a:t>
+            </a:r>
           </a:p>
           <a:p>
             <a:pPr lvl="1"/>
@@ -4776,15 +4776,13 @@
             <a:pPr lvl="1"/>
             <a:r>
               <a:rPr lang="en-US" sz="1800" dirty="0"/>
-              <a:t>Creating new things</a:t>
-            </a:r>
-          </a:p>
-          <a:p>
-            <a:pPr lvl="1"/>
-            <a:r>
-              <a:rPr lang="en-US" sz="1800" dirty="0"/>
-              <a:t>Integrating Plex Media Library</a:t>
-            </a:r>
+              <a:t>Creating </a:t>
+            </a:r>
+            <a:r>
+              <a:rPr lang="en-US" sz="1800"/>
+              <a:t>new things</a:t>
+            </a:r>
+            <a:endParaRPr lang="en-US" sz="1800" dirty="0"/>
           </a:p>
         </p:txBody>
       </p:sp>
